--- a/slides/00_a_Introduction.pptx
+++ b/slides/00_a_Introduction.pptx
@@ -209,7 +209,7 @@
             <a:pPr rtl="0"/>
             <a:fld id="{764ED9EE-8F2A-4E06-87A2-36C0DD0993FD}" type="datetime1">
               <a:rPr lang="de-DE" smtClean="0"/>
-              <a:t>21.10.2020</a:t>
+              <a:t>26.12.2020</a:t>
             </a:fld>
             <a:endParaRPr lang="en-US" dirty="0"/>
           </a:p>
@@ -379,7 +379,7 @@
             <a:pPr rtl="0"/>
             <a:fld id="{A5A5ADE8-1FB8-43FD-A675-2B613EE00B6F}" type="datetime1">
               <a:rPr lang="de-DE" smtClean="0"/>
-              <a:t>21.10.2020</a:t>
+              <a:t>26.12.2020</a:t>
             </a:fld>
             <a:endParaRPr lang="en-US"/>
           </a:p>
@@ -893,7 +893,7 @@
             <a:pPr rtl="0"/>
             <a:fld id="{81E9C95E-BEF0-4D2E-9127-B9099B238D2A}" type="datetime1">
               <a:rPr lang="de-DE" smtClean="0"/>
-              <a:t>21.10.2020</a:t>
+              <a:t>26.12.2020</a:t>
             </a:fld>
             <a:endParaRPr lang="en-US" dirty="0"/>
           </a:p>
@@ -1100,7 +1100,7 @@
             <a:pPr rtl="0"/>
             <a:fld id="{FE771757-BB18-44C5-813E-435E78C98126}" type="datetime1">
               <a:rPr lang="de-DE" smtClean="0"/>
-              <a:t>21.10.2020</a:t>
+              <a:t>26.12.2020</a:t>
             </a:fld>
             <a:endParaRPr lang="en-US" dirty="0"/>
           </a:p>
@@ -1466,7 +1466,7 @@
             <a:pPr rtl="0"/>
             <a:fld id="{B83FACD6-565C-4118-ACD0-32ACCA9AF940}" type="datetime1">
               <a:rPr lang="de-DE" smtClean="0"/>
-              <a:t>21.10.2020</a:t>
+              <a:t>26.12.2020</a:t>
             </a:fld>
             <a:endParaRPr lang="en-US" dirty="0"/>
           </a:p>
@@ -1668,7 +1668,7 @@
             <a:pPr rtl="0"/>
             <a:fld id="{83627DD0-092D-4AD9-AAE0-0513E170352E}" type="datetime1">
               <a:rPr lang="de-DE" smtClean="0"/>
-              <a:t>21.10.2020</a:t>
+              <a:t>26.12.2020</a:t>
             </a:fld>
             <a:endParaRPr lang="en-US" dirty="0"/>
           </a:p>
@@ -1984,7 +1984,7 @@
             <a:pPr rtl="0"/>
             <a:fld id="{F36CBEDB-B1DE-4F8C-AD4A-10AD3F77E1A9}" type="datetime1">
               <a:rPr lang="de-DE" smtClean="0"/>
-              <a:t>21.10.2020</a:t>
+              <a:t>26.12.2020</a:t>
             </a:fld>
             <a:endParaRPr lang="en-US" dirty="0"/>
           </a:p>
@@ -2241,7 +2241,7 @@
             <a:pPr rtl="0"/>
             <a:fld id="{F95AE019-BB99-4C3A-AA2C-A36C39CE4DCB}" type="datetime1">
               <a:rPr lang="de-DE" smtClean="0"/>
-              <a:t>21.10.2020</a:t>
+              <a:t>26.12.2020</a:t>
             </a:fld>
             <a:endParaRPr lang="en-US" dirty="0"/>
           </a:p>
@@ -2667,7 +2667,7 @@
             <a:pPr rtl="0"/>
             <a:fld id="{117FAFC6-AD0C-4B5B-B8B0-E729C6D4C810}" type="datetime1">
               <a:rPr lang="de-DE" smtClean="0"/>
-              <a:t>21.10.2020</a:t>
+              <a:t>26.12.2020</a:t>
             </a:fld>
             <a:endParaRPr lang="en-US" dirty="0"/>
           </a:p>
@@ -2794,7 +2794,7 @@
             <a:pPr rtl="0"/>
             <a:fld id="{607DEF3C-A2B0-4F78-836D-1A1B1DEE5467}" type="datetime1">
               <a:rPr lang="de-DE" smtClean="0"/>
-              <a:t>21.10.2020</a:t>
+              <a:t>26.12.2020</a:t>
             </a:fld>
             <a:endParaRPr lang="en-US" dirty="0"/>
           </a:p>
@@ -2892,7 +2892,7 @@
             <a:pPr rtl="0"/>
             <a:fld id="{D971D44B-9C44-467E-B481-41466CDBD2A7}" type="datetime1">
               <a:rPr lang="de-DE" smtClean="0"/>
-              <a:t>21.10.2020</a:t>
+              <a:t>26.12.2020</a:t>
             </a:fld>
             <a:endParaRPr lang="en-US" dirty="0"/>
           </a:p>
@@ -3273,7 +3273,7 @@
             <a:pPr rtl="0"/>
             <a:fld id="{0354EEBD-0E7F-42E6-BE86-4864547D749E}" type="datetime1">
               <a:rPr lang="de-DE" smtClean="0"/>
-              <a:t>21.10.2020</a:t>
+              <a:t>26.12.2020</a:t>
             </a:fld>
             <a:endParaRPr lang="en-US" dirty="0"/>
           </a:p>
@@ -3571,7 +3571,7 @@
             <a:pPr rtl="0"/>
             <a:fld id="{8C7274EF-79A2-4EAD-98EF-7E5BB5EA068D}" type="datetime1">
               <a:rPr lang="de-DE" smtClean="0"/>
-              <a:t>21.10.2020</a:t>
+              <a:t>26.12.2020</a:t>
             </a:fld>
             <a:endParaRPr lang="en-US" dirty="0"/>
           </a:p>
@@ -3789,7 +3789,7 @@
             <a:pPr rtl="0"/>
             <a:fld id="{EDD379EC-906B-4CE5-98C2-3A156331FD9E}" type="datetime1">
               <a:rPr lang="de-DE" smtClean="0"/>
-              <a:t>21.10.2020</a:t>
+              <a:t>26.12.2020</a:t>
             </a:fld>
             <a:endParaRPr lang="en-US" dirty="0"/>
           </a:p>
@@ -4558,7 +4558,15 @@
             <a:pPr rtl="0"/>
             <a:r>
               <a:rPr lang="de" dirty="0"/>
-              <a:t>Jonas Freiknecht, 2020, v1.0</a:t>
+              <a:t>Jonas Freiknecht</a:t>
+            </a:r>
+            <a:r>
+              <a:rPr lang="de"/>
+              <a:t>, 2021, </a:t>
+            </a:r>
+            <a:r>
+              <a:rPr lang="de" dirty="0"/>
+              <a:t>v1.3</a:t>
             </a:r>
           </a:p>
           <a:p>
@@ -4936,7 +4944,7 @@
             <a:pPr rtl="0"/>
             <a:fld id="{83627DD0-092D-4AD9-AAE0-0513E170352E}" type="datetime1">
               <a:rPr lang="de-DE" smtClean="0"/>
-              <a:t>21.10.2020</a:t>
+              <a:t>26.12.2020</a:t>
             </a:fld>
             <a:endParaRPr lang="en-US" dirty="0"/>
           </a:p>
@@ -5137,7 +5145,7 @@
             <a:pPr rtl="0"/>
             <a:fld id="{83627DD0-092D-4AD9-AAE0-0513E170352E}" type="datetime1">
               <a:rPr lang="de-DE" smtClean="0"/>
-              <a:t>21.10.2020</a:t>
+              <a:t>26.12.2020</a:t>
             </a:fld>
             <a:endParaRPr lang="en-US" dirty="0"/>
           </a:p>
@@ -5341,7 +5349,7 @@
             <a:pPr rtl="0"/>
             <a:fld id="{83627DD0-092D-4AD9-AAE0-0513E170352E}" type="datetime1">
               <a:rPr lang="de-DE" smtClean="0"/>
-              <a:t>21.10.2020</a:t>
+              <a:t>26.12.2020</a:t>
             </a:fld>
             <a:endParaRPr lang="en-US" dirty="0"/>
           </a:p>
@@ -5587,13 +5595,8 @@
           <a:p>
             <a:r>
               <a:rPr lang="de-DE" dirty="0"/>
-              <a:t>(Optional) </a:t>
-            </a:r>
-            <a:r>
-              <a:rPr lang="de-DE"/>
-              <a:t>Eine NVIDIA-Grafikkarte ab 10GB RAM</a:t>
-            </a:r>
-            <a:endParaRPr lang="de-DE" dirty="0"/>
+              <a:t>(Optional) Eine NVIDIA-Grafikkarte ab 10GB RAM</a:t>
+            </a:r>
           </a:p>
           <a:p>
             <a:r>
@@ -5627,7 +5630,7 @@
             <a:pPr rtl="0"/>
             <a:fld id="{83627DD0-092D-4AD9-AAE0-0513E170352E}" type="datetime1">
               <a:rPr lang="de-DE" smtClean="0"/>
-              <a:t>21.10.2020</a:t>
+              <a:t>26.12.2020</a:t>
             </a:fld>
             <a:endParaRPr lang="en-US" dirty="0"/>
           </a:p>

--- a/slides/00_a_Introduction.pptx
+++ b/slides/00_a_Introduction.pptx
@@ -209,7 +209,7 @@
             <a:pPr rtl="0"/>
             <a:fld id="{764ED9EE-8F2A-4E06-87A2-36C0DD0993FD}" type="datetime1">
               <a:rPr lang="de-DE" smtClean="0"/>
-              <a:t>26.12.2020</a:t>
+              <a:t>15.01.2021</a:t>
             </a:fld>
             <a:endParaRPr lang="en-US" dirty="0"/>
           </a:p>
@@ -379,7 +379,7 @@
             <a:pPr rtl="0"/>
             <a:fld id="{A5A5ADE8-1FB8-43FD-A675-2B613EE00B6F}" type="datetime1">
               <a:rPr lang="de-DE" smtClean="0"/>
-              <a:t>26.12.2020</a:t>
+              <a:t>15.01.2021</a:t>
             </a:fld>
             <a:endParaRPr lang="en-US"/>
           </a:p>
@@ -893,7 +893,7 @@
             <a:pPr rtl="0"/>
             <a:fld id="{81E9C95E-BEF0-4D2E-9127-B9099B238D2A}" type="datetime1">
               <a:rPr lang="de-DE" smtClean="0"/>
-              <a:t>26.12.2020</a:t>
+              <a:t>15.01.2021</a:t>
             </a:fld>
             <a:endParaRPr lang="en-US" dirty="0"/>
           </a:p>
@@ -1100,7 +1100,7 @@
             <a:pPr rtl="0"/>
             <a:fld id="{FE771757-BB18-44C5-813E-435E78C98126}" type="datetime1">
               <a:rPr lang="de-DE" smtClean="0"/>
-              <a:t>26.12.2020</a:t>
+              <a:t>15.01.2021</a:t>
             </a:fld>
             <a:endParaRPr lang="en-US" dirty="0"/>
           </a:p>
@@ -1466,7 +1466,7 @@
             <a:pPr rtl="0"/>
             <a:fld id="{B83FACD6-565C-4118-ACD0-32ACCA9AF940}" type="datetime1">
               <a:rPr lang="de-DE" smtClean="0"/>
-              <a:t>26.12.2020</a:t>
+              <a:t>15.01.2021</a:t>
             </a:fld>
             <a:endParaRPr lang="en-US" dirty="0"/>
           </a:p>
@@ -1668,7 +1668,7 @@
             <a:pPr rtl="0"/>
             <a:fld id="{83627DD0-092D-4AD9-AAE0-0513E170352E}" type="datetime1">
               <a:rPr lang="de-DE" smtClean="0"/>
-              <a:t>26.12.2020</a:t>
+              <a:t>15.01.2021</a:t>
             </a:fld>
             <a:endParaRPr lang="en-US" dirty="0"/>
           </a:p>
@@ -1984,7 +1984,7 @@
             <a:pPr rtl="0"/>
             <a:fld id="{F36CBEDB-B1DE-4F8C-AD4A-10AD3F77E1A9}" type="datetime1">
               <a:rPr lang="de-DE" smtClean="0"/>
-              <a:t>26.12.2020</a:t>
+              <a:t>15.01.2021</a:t>
             </a:fld>
             <a:endParaRPr lang="en-US" dirty="0"/>
           </a:p>
@@ -2241,7 +2241,7 @@
             <a:pPr rtl="0"/>
             <a:fld id="{F95AE019-BB99-4C3A-AA2C-A36C39CE4DCB}" type="datetime1">
               <a:rPr lang="de-DE" smtClean="0"/>
-              <a:t>26.12.2020</a:t>
+              <a:t>15.01.2021</a:t>
             </a:fld>
             <a:endParaRPr lang="en-US" dirty="0"/>
           </a:p>
@@ -2667,7 +2667,7 @@
             <a:pPr rtl="0"/>
             <a:fld id="{117FAFC6-AD0C-4B5B-B8B0-E729C6D4C810}" type="datetime1">
               <a:rPr lang="de-DE" smtClean="0"/>
-              <a:t>26.12.2020</a:t>
+              <a:t>15.01.2021</a:t>
             </a:fld>
             <a:endParaRPr lang="en-US" dirty="0"/>
           </a:p>
@@ -2794,7 +2794,7 @@
             <a:pPr rtl="0"/>
             <a:fld id="{607DEF3C-A2B0-4F78-836D-1A1B1DEE5467}" type="datetime1">
               <a:rPr lang="de-DE" smtClean="0"/>
-              <a:t>26.12.2020</a:t>
+              <a:t>15.01.2021</a:t>
             </a:fld>
             <a:endParaRPr lang="en-US" dirty="0"/>
           </a:p>
@@ -2892,7 +2892,7 @@
             <a:pPr rtl="0"/>
             <a:fld id="{D971D44B-9C44-467E-B481-41466CDBD2A7}" type="datetime1">
               <a:rPr lang="de-DE" smtClean="0"/>
-              <a:t>26.12.2020</a:t>
+              <a:t>15.01.2021</a:t>
             </a:fld>
             <a:endParaRPr lang="en-US" dirty="0"/>
           </a:p>
@@ -3273,7 +3273,7 @@
             <a:pPr rtl="0"/>
             <a:fld id="{0354EEBD-0E7F-42E6-BE86-4864547D749E}" type="datetime1">
               <a:rPr lang="de-DE" smtClean="0"/>
-              <a:t>26.12.2020</a:t>
+              <a:t>15.01.2021</a:t>
             </a:fld>
             <a:endParaRPr lang="en-US" dirty="0"/>
           </a:p>
@@ -3571,7 +3571,7 @@
             <a:pPr rtl="0"/>
             <a:fld id="{8C7274EF-79A2-4EAD-98EF-7E5BB5EA068D}" type="datetime1">
               <a:rPr lang="de-DE" smtClean="0"/>
-              <a:t>26.12.2020</a:t>
+              <a:t>15.01.2021</a:t>
             </a:fld>
             <a:endParaRPr lang="en-US" dirty="0"/>
           </a:p>
@@ -3789,7 +3789,7 @@
             <a:pPr rtl="0"/>
             <a:fld id="{EDD379EC-906B-4CE5-98C2-3A156331FD9E}" type="datetime1">
               <a:rPr lang="de-DE" smtClean="0"/>
-              <a:t>26.12.2020</a:t>
+              <a:t>15.01.2021</a:t>
             </a:fld>
             <a:endParaRPr lang="en-US" dirty="0"/>
           </a:p>
@@ -4944,7 +4944,7 @@
             <a:pPr rtl="0"/>
             <a:fld id="{83627DD0-092D-4AD9-AAE0-0513E170352E}" type="datetime1">
               <a:rPr lang="de-DE" smtClean="0"/>
-              <a:t>26.12.2020</a:t>
+              <a:t>15.01.2021</a:t>
             </a:fld>
             <a:endParaRPr lang="en-US" dirty="0"/>
           </a:p>
@@ -5107,7 +5107,7 @@
           <a:p>
             <a:r>
               <a:rPr lang="de-DE" dirty="0"/>
-              <a:t>Der Assistent soll in verschiedenen Sprachen kommunizieren können</a:t>
+              <a:t>Prinzipien zu vermitteln, um den Assistenten in mehreren Sprachen sprechen zu lassen</a:t>
             </a:r>
           </a:p>
           <a:p>
@@ -5145,7 +5145,7 @@
             <a:pPr rtl="0"/>
             <a:fld id="{83627DD0-092D-4AD9-AAE0-0513E170352E}" type="datetime1">
               <a:rPr lang="de-DE" smtClean="0"/>
-              <a:t>26.12.2020</a:t>
+              <a:t>15.01.2021</a:t>
             </a:fld>
             <a:endParaRPr lang="en-US" dirty="0"/>
           </a:p>
@@ -5317,12 +5317,6 @@
               <a:t>Python als Sprache wegen Präsenz in KI-Themen</a:t>
             </a:r>
           </a:p>
-          <a:p>
-            <a:r>
-              <a:rPr lang="de-DE" dirty="0"/>
-              <a:t>Hin und wieder Fokus auf Portabilität</a:t>
-            </a:r>
-          </a:p>
         </p:txBody>
       </p:sp>
       <p:sp>
@@ -5349,7 +5343,7 @@
             <a:pPr rtl="0"/>
             <a:fld id="{83627DD0-092D-4AD9-AAE0-0513E170352E}" type="datetime1">
               <a:rPr lang="de-DE" smtClean="0"/>
-              <a:t>26.12.2020</a:t>
+              <a:t>15.01.2021</a:t>
             </a:fld>
             <a:endParaRPr lang="en-US" dirty="0"/>
           </a:p>
@@ -5577,8 +5571,13 @@
           <a:p>
             <a:r>
               <a:rPr lang="de-DE" dirty="0"/>
-              <a:t>Ein wenig Programmiererfahrung</a:t>
-            </a:r>
+              <a:t>Ein wenig </a:t>
+            </a:r>
+            <a:r>
+              <a:rPr lang="de-DE"/>
+              <a:t>(mehr) Programmiererfahrung</a:t>
+            </a:r>
+            <a:endParaRPr lang="de-DE" dirty="0"/>
           </a:p>
           <a:p>
             <a:r>
@@ -5590,12 +5589,6 @@
             <a:r>
               <a:rPr lang="de-DE" dirty="0"/>
               <a:t>Spaß am Experimentieren</a:t>
-            </a:r>
-          </a:p>
-          <a:p>
-            <a:r>
-              <a:rPr lang="de-DE" dirty="0"/>
-              <a:t>(Optional) Eine NVIDIA-Grafikkarte ab 10GB RAM</a:t>
             </a:r>
           </a:p>
           <a:p>
@@ -5630,7 +5623,7 @@
             <a:pPr rtl="0"/>
             <a:fld id="{83627DD0-092D-4AD9-AAE0-0513E170352E}" type="datetime1">
               <a:rPr lang="de-DE" smtClean="0"/>
-              <a:t>26.12.2020</a:t>
+              <a:t>15.01.2021</a:t>
             </a:fld>
             <a:endParaRPr lang="en-US" dirty="0"/>
           </a:p>
